--- a/Ugradeni sustavi - Pametni suncobran/Pametni_suncobran/Suncobran-prezentacija/PAMETNI SUNCOBRAN.pptx
+++ b/Ugradeni sustavi - Pametni suncobran/Pametni_suncobran/Suncobran-prezentacija/PAMETNI SUNCOBRAN.pptx
@@ -18,6 +18,12 @@
     <p:sldId id="263" r:id="rId12"/>
     <p:sldId id="264" r:id="rId13"/>
     <p:sldId id="268" r:id="rId14"/>
+    <p:sldId id="269" r:id="rId15"/>
+    <p:sldId id="270" r:id="rId16"/>
+    <p:sldId id="272" r:id="rId17"/>
+    <p:sldId id="273" r:id="rId18"/>
+    <p:sldId id="274" r:id="rId19"/>
+    <p:sldId id="271" r:id="rId20"/>
   </p:sldIdLst>
   <p:sldSz cx="12192000" cy="6858000"/>
   <p:notesSz cx="6858000" cy="9144000"/>
@@ -310,7 +316,7 @@
           <a:p>
             <a:fld id="{4802A290-9AFF-4211-B4BC-A6A29C99D724}" type="datetimeFigureOut">
               <a:rPr lang="hr-HR" smtClean="0"/>
-              <a:t>7.7.2020.</a:t>
+              <a:t>14.4.2021.</a:t>
             </a:fld>
             <a:endParaRPr lang="hr-HR"/>
           </a:p>
@@ -585,7 +591,7 @@
           <a:p>
             <a:fld id="{4802A290-9AFF-4211-B4BC-A6A29C99D724}" type="datetimeFigureOut">
               <a:rPr lang="hr-HR" smtClean="0"/>
-              <a:t>7.7.2020.</a:t>
+              <a:t>14.4.2021.</a:t>
             </a:fld>
             <a:endParaRPr lang="hr-HR"/>
           </a:p>
@@ -779,7 +785,7 @@
           <a:p>
             <a:fld id="{4802A290-9AFF-4211-B4BC-A6A29C99D724}" type="datetimeFigureOut">
               <a:rPr lang="hr-HR" smtClean="0"/>
-              <a:t>7.7.2020.</a:t>
+              <a:t>14.4.2021.</a:t>
             </a:fld>
             <a:endParaRPr lang="hr-HR"/>
           </a:p>
@@ -1052,7 +1058,7 @@
           <a:p>
             <a:fld id="{4802A290-9AFF-4211-B4BC-A6A29C99D724}" type="datetimeFigureOut">
               <a:rPr lang="hr-HR" smtClean="0"/>
-              <a:t>7.7.2020.</a:t>
+              <a:t>14.4.2021.</a:t>
             </a:fld>
             <a:endParaRPr lang="hr-HR"/>
           </a:p>
@@ -1393,7 +1399,7 @@
           <a:p>
             <a:fld id="{4802A290-9AFF-4211-B4BC-A6A29C99D724}" type="datetimeFigureOut">
               <a:rPr lang="hr-HR" smtClean="0"/>
-              <a:t>7.7.2020.</a:t>
+              <a:t>14.4.2021.</a:t>
             </a:fld>
             <a:endParaRPr lang="hr-HR"/>
           </a:p>
@@ -2016,7 +2022,7 @@
           <a:p>
             <a:fld id="{4802A290-9AFF-4211-B4BC-A6A29C99D724}" type="datetimeFigureOut">
               <a:rPr lang="hr-HR" smtClean="0"/>
-              <a:t>7.7.2020.</a:t>
+              <a:t>14.4.2021.</a:t>
             </a:fld>
             <a:endParaRPr lang="hr-HR"/>
           </a:p>
@@ -2876,7 +2882,7 @@
           <a:p>
             <a:fld id="{4802A290-9AFF-4211-B4BC-A6A29C99D724}" type="datetimeFigureOut">
               <a:rPr lang="hr-HR" smtClean="0"/>
-              <a:t>7.7.2020.</a:t>
+              <a:t>14.4.2021.</a:t>
             </a:fld>
             <a:endParaRPr lang="hr-HR"/>
           </a:p>
@@ -3046,7 +3052,7 @@
           <a:p>
             <a:fld id="{4802A290-9AFF-4211-B4BC-A6A29C99D724}" type="datetimeFigureOut">
               <a:rPr lang="hr-HR" smtClean="0"/>
-              <a:t>7.7.2020.</a:t>
+              <a:t>14.4.2021.</a:t>
             </a:fld>
             <a:endParaRPr lang="hr-HR"/>
           </a:p>
@@ -3226,7 +3232,7 @@
           <a:p>
             <a:fld id="{4802A290-9AFF-4211-B4BC-A6A29C99D724}" type="datetimeFigureOut">
               <a:rPr lang="hr-HR" smtClean="0"/>
-              <a:t>7.7.2020.</a:t>
+              <a:t>14.4.2021.</a:t>
             </a:fld>
             <a:endParaRPr lang="hr-HR"/>
           </a:p>
@@ -3396,7 +3402,7 @@
           <a:p>
             <a:fld id="{4802A290-9AFF-4211-B4BC-A6A29C99D724}" type="datetimeFigureOut">
               <a:rPr lang="hr-HR" smtClean="0"/>
-              <a:t>7.7.2020.</a:t>
+              <a:t>14.4.2021.</a:t>
             </a:fld>
             <a:endParaRPr lang="hr-HR"/>
           </a:p>
@@ -3643,7 +3649,7 @@
           <a:p>
             <a:fld id="{4802A290-9AFF-4211-B4BC-A6A29C99D724}" type="datetimeFigureOut">
               <a:rPr lang="hr-HR" smtClean="0"/>
-              <a:t>7.7.2020.</a:t>
+              <a:t>14.4.2021.</a:t>
             </a:fld>
             <a:endParaRPr lang="hr-HR"/>
           </a:p>
@@ -3935,7 +3941,7 @@
           <a:p>
             <a:fld id="{4802A290-9AFF-4211-B4BC-A6A29C99D724}" type="datetimeFigureOut">
               <a:rPr lang="hr-HR" smtClean="0"/>
-              <a:t>7.7.2020.</a:t>
+              <a:t>14.4.2021.</a:t>
             </a:fld>
             <a:endParaRPr lang="hr-HR"/>
           </a:p>
@@ -4379,7 +4385,7 @@
           <a:p>
             <a:fld id="{4802A290-9AFF-4211-B4BC-A6A29C99D724}" type="datetimeFigureOut">
               <a:rPr lang="hr-HR" smtClean="0"/>
-              <a:t>7.7.2020.</a:t>
+              <a:t>14.4.2021.</a:t>
             </a:fld>
             <a:endParaRPr lang="hr-HR"/>
           </a:p>
@@ -4497,7 +4503,7 @@
           <a:p>
             <a:fld id="{4802A290-9AFF-4211-B4BC-A6A29C99D724}" type="datetimeFigureOut">
               <a:rPr lang="hr-HR" smtClean="0"/>
-              <a:t>7.7.2020.</a:t>
+              <a:t>14.4.2021.</a:t>
             </a:fld>
             <a:endParaRPr lang="hr-HR"/>
           </a:p>
@@ -4592,7 +4598,7 @@
           <a:p>
             <a:fld id="{4802A290-9AFF-4211-B4BC-A6A29C99D724}" type="datetimeFigureOut">
               <a:rPr lang="hr-HR" smtClean="0"/>
-              <a:t>7.7.2020.</a:t>
+              <a:t>14.4.2021.</a:t>
             </a:fld>
             <a:endParaRPr lang="hr-HR"/>
           </a:p>
@@ -4871,7 +4877,7 @@
           <a:p>
             <a:fld id="{4802A290-9AFF-4211-B4BC-A6A29C99D724}" type="datetimeFigureOut">
               <a:rPr lang="hr-HR" smtClean="0"/>
-              <a:t>7.7.2020.</a:t>
+              <a:t>14.4.2021.</a:t>
             </a:fld>
             <a:endParaRPr lang="hr-HR"/>
           </a:p>
@@ -5146,7 +5152,7 @@
           <a:p>
             <a:fld id="{4802A290-9AFF-4211-B4BC-A6A29C99D724}" type="datetimeFigureOut">
               <a:rPr lang="hr-HR" smtClean="0"/>
-              <a:t>7.7.2020.</a:t>
+              <a:t>14.4.2021.</a:t>
             </a:fld>
             <a:endParaRPr lang="hr-HR"/>
           </a:p>
@@ -5575,7 +5581,7 @@
           <a:p>
             <a:fld id="{4802A290-9AFF-4211-B4BC-A6A29C99D724}" type="datetimeFigureOut">
               <a:rPr lang="hr-HR" smtClean="0"/>
-              <a:t>7.7.2020.</a:t>
+              <a:t>14.4.2021.</a:t>
             </a:fld>
             <a:endParaRPr lang="hr-HR"/>
           </a:p>
@@ -6601,6 +6607,547 @@
 </p:sld>
 </file>
 
+<file path=ppt/slides/slide14.xml><?xml version="1.0" encoding="utf-8"?>
+<p:sld xmlns:a="http://schemas.openxmlformats.org/drawingml/2006/main" xmlns:r="http://schemas.openxmlformats.org/officeDocument/2006/relationships" xmlns:p="http://schemas.openxmlformats.org/presentationml/2006/main">
+  <p:cSld>
+    <p:spTree>
+      <p:nvGrpSpPr>
+        <p:cNvPr id="1" name=""/>
+        <p:cNvGrpSpPr/>
+        <p:nvPr/>
+      </p:nvGrpSpPr>
+      <p:grpSpPr>
+        <a:xfrm>
+          <a:off x="0" y="0"/>
+          <a:ext cx="0" cy="0"/>
+          <a:chOff x="0" y="0"/>
+          <a:chExt cx="0" cy="0"/>
+        </a:xfrm>
+      </p:grpSpPr>
+      <p:sp>
+        <p:nvSpPr>
+          <p:cNvPr id="2" name="Naslov 1"/>
+          <p:cNvSpPr>
+            <a:spLocks noGrp="1"/>
+          </p:cNvSpPr>
+          <p:nvPr>
+            <p:ph type="title"/>
+          </p:nvPr>
+        </p:nvSpPr>
+        <p:spPr/>
+        <p:txBody>
+          <a:bodyPr/>
+          <a:lstStyle/>
+          <a:p>
+            <a:endParaRPr lang="hr-HR"/>
+          </a:p>
+        </p:txBody>
+      </p:sp>
+      <p:sp>
+        <p:nvSpPr>
+          <p:cNvPr id="9" name="Rezervirano mjesto sadržaja 8"/>
+          <p:cNvSpPr>
+            <a:spLocks noGrp="1"/>
+          </p:cNvSpPr>
+          <p:nvPr>
+            <p:ph idx="1"/>
+          </p:nvPr>
+        </p:nvSpPr>
+        <p:spPr/>
+        <p:txBody>
+          <a:bodyPr/>
+          <a:lstStyle/>
+          <a:p>
+            <a:endParaRPr lang="hr-HR" dirty="0"/>
+          </a:p>
+        </p:txBody>
+      </p:sp>
+    </p:spTree>
+    <p:extLst>
+      <p:ext uri="{BB962C8B-B14F-4D97-AF65-F5344CB8AC3E}">
+        <p14:creationId xmlns:p14="http://schemas.microsoft.com/office/powerpoint/2010/main" val="3711318839"/>
+      </p:ext>
+    </p:extLst>
+  </p:cSld>
+  <p:clrMapOvr>
+    <a:masterClrMapping/>
+  </p:clrMapOvr>
+</p:sld>
+</file>
+
+<file path=ppt/slides/slide15.xml><?xml version="1.0" encoding="utf-8"?>
+<p:sld xmlns:a="http://schemas.openxmlformats.org/drawingml/2006/main" xmlns:r="http://schemas.openxmlformats.org/officeDocument/2006/relationships" xmlns:p="http://schemas.openxmlformats.org/presentationml/2006/main">
+  <p:cSld>
+    <p:spTree>
+      <p:nvGrpSpPr>
+        <p:cNvPr id="1" name=""/>
+        <p:cNvGrpSpPr/>
+        <p:nvPr/>
+      </p:nvGrpSpPr>
+      <p:grpSpPr>
+        <a:xfrm>
+          <a:off x="0" y="0"/>
+          <a:ext cx="0" cy="0"/>
+          <a:chOff x="0" y="0"/>
+          <a:chExt cx="0" cy="0"/>
+        </a:xfrm>
+      </p:grpSpPr>
+      <p:sp>
+        <p:nvSpPr>
+          <p:cNvPr id="2" name="Naslov 1"/>
+          <p:cNvSpPr>
+            <a:spLocks noGrp="1"/>
+          </p:cNvSpPr>
+          <p:nvPr>
+            <p:ph type="title"/>
+          </p:nvPr>
+        </p:nvSpPr>
+        <p:spPr/>
+        <p:txBody>
+          <a:bodyPr/>
+          <a:lstStyle/>
+          <a:p>
+            <a:endParaRPr lang="hr-HR"/>
+          </a:p>
+        </p:txBody>
+      </p:sp>
+      <p:sp>
+        <p:nvSpPr>
+          <p:cNvPr id="3" name="Rezervirano mjesto sadržaja 2"/>
+          <p:cNvSpPr>
+            <a:spLocks noGrp="1"/>
+          </p:cNvSpPr>
+          <p:nvPr>
+            <p:ph idx="1"/>
+          </p:nvPr>
+        </p:nvSpPr>
+        <p:spPr/>
+        <p:txBody>
+          <a:bodyPr/>
+          <a:lstStyle/>
+          <a:p>
+            <a:endParaRPr lang="hr-HR"/>
+          </a:p>
+        </p:txBody>
+      </p:sp>
+      <p:pic>
+        <p:nvPicPr>
+          <p:cNvPr id="4" name="Slika 3"/>
+          <p:cNvPicPr>
+            <a:picLocks noChangeAspect="1"/>
+          </p:cNvPicPr>
+          <p:nvPr/>
+        </p:nvPicPr>
+        <p:blipFill>
+          <a:blip r:embed="rId2">
+            <a:extLst>
+              <a:ext uri="{28A0092B-C50C-407E-A947-70E740481C1C}">
+                <a14:useLocalDpi xmlns:a14="http://schemas.microsoft.com/office/drawing/2010/main" val="0"/>
+              </a:ext>
+            </a:extLst>
+          </a:blip>
+          <a:stretch>
+            <a:fillRect/>
+          </a:stretch>
+        </p:blipFill>
+        <p:spPr>
+          <a:xfrm>
+            <a:off x="2838994" y="0"/>
+            <a:ext cx="5895703" cy="6858000"/>
+          </a:xfrm>
+          <a:prstGeom prst="rect">
+            <a:avLst/>
+          </a:prstGeom>
+        </p:spPr>
+      </p:pic>
+    </p:spTree>
+    <p:extLst>
+      <p:ext uri="{BB962C8B-B14F-4D97-AF65-F5344CB8AC3E}">
+        <p14:creationId xmlns:p14="http://schemas.microsoft.com/office/powerpoint/2010/main" val="2698712646"/>
+      </p:ext>
+    </p:extLst>
+  </p:cSld>
+  <p:clrMapOvr>
+    <a:masterClrMapping/>
+  </p:clrMapOvr>
+</p:sld>
+</file>
+
+<file path=ppt/slides/slide16.xml><?xml version="1.0" encoding="utf-8"?>
+<p:sld xmlns:a="http://schemas.openxmlformats.org/drawingml/2006/main" xmlns:r="http://schemas.openxmlformats.org/officeDocument/2006/relationships" xmlns:p="http://schemas.openxmlformats.org/presentationml/2006/main">
+  <p:cSld>
+    <p:spTree>
+      <p:nvGrpSpPr>
+        <p:cNvPr id="1" name=""/>
+        <p:cNvGrpSpPr/>
+        <p:nvPr/>
+      </p:nvGrpSpPr>
+      <p:grpSpPr>
+        <a:xfrm>
+          <a:off x="0" y="0"/>
+          <a:ext cx="0" cy="0"/>
+          <a:chOff x="0" y="0"/>
+          <a:chExt cx="0" cy="0"/>
+        </a:xfrm>
+      </p:grpSpPr>
+      <p:sp>
+        <p:nvSpPr>
+          <p:cNvPr id="2" name="Naslov 1"/>
+          <p:cNvSpPr>
+            <a:spLocks noGrp="1"/>
+          </p:cNvSpPr>
+          <p:nvPr>
+            <p:ph type="title"/>
+          </p:nvPr>
+        </p:nvSpPr>
+        <p:spPr/>
+        <p:txBody>
+          <a:bodyPr/>
+          <a:lstStyle/>
+          <a:p>
+            <a:endParaRPr lang="hr-HR"/>
+          </a:p>
+        </p:txBody>
+      </p:sp>
+      <p:sp>
+        <p:nvSpPr>
+          <p:cNvPr id="3" name="Rezervirano mjesto sadržaja 2"/>
+          <p:cNvSpPr>
+            <a:spLocks noGrp="1"/>
+          </p:cNvSpPr>
+          <p:nvPr>
+            <p:ph idx="1"/>
+          </p:nvPr>
+        </p:nvSpPr>
+        <p:spPr/>
+        <p:txBody>
+          <a:bodyPr/>
+          <a:lstStyle/>
+          <a:p>
+            <a:endParaRPr lang="hr-HR"/>
+          </a:p>
+        </p:txBody>
+      </p:sp>
+      <p:pic>
+        <p:nvPicPr>
+          <p:cNvPr id="4" name="Slika 3"/>
+          <p:cNvPicPr>
+            <a:picLocks noChangeAspect="1"/>
+          </p:cNvPicPr>
+          <p:nvPr/>
+        </p:nvPicPr>
+        <p:blipFill>
+          <a:blip r:embed="rId2">
+            <a:extLst>
+              <a:ext uri="{28A0092B-C50C-407E-A947-70E740481C1C}">
+                <a14:useLocalDpi xmlns:a14="http://schemas.microsoft.com/office/drawing/2010/main" val="0"/>
+              </a:ext>
+            </a:extLst>
+          </a:blip>
+          <a:stretch>
+            <a:fillRect/>
+          </a:stretch>
+        </p:blipFill>
+        <p:spPr>
+          <a:xfrm>
+            <a:off x="2926080" y="0"/>
+            <a:ext cx="5704114" cy="6846236"/>
+          </a:xfrm>
+          <a:prstGeom prst="rect">
+            <a:avLst/>
+          </a:prstGeom>
+        </p:spPr>
+      </p:pic>
+    </p:spTree>
+    <p:extLst>
+      <p:ext uri="{BB962C8B-B14F-4D97-AF65-F5344CB8AC3E}">
+        <p14:creationId xmlns:p14="http://schemas.microsoft.com/office/powerpoint/2010/main" val="2210849682"/>
+      </p:ext>
+    </p:extLst>
+  </p:cSld>
+  <p:clrMapOvr>
+    <a:masterClrMapping/>
+  </p:clrMapOvr>
+</p:sld>
+</file>
+
+<file path=ppt/slides/slide17.xml><?xml version="1.0" encoding="utf-8"?>
+<p:sld xmlns:a="http://schemas.openxmlformats.org/drawingml/2006/main" xmlns:r="http://schemas.openxmlformats.org/officeDocument/2006/relationships" xmlns:p="http://schemas.openxmlformats.org/presentationml/2006/main">
+  <p:cSld>
+    <p:spTree>
+      <p:nvGrpSpPr>
+        <p:cNvPr id="1" name=""/>
+        <p:cNvGrpSpPr/>
+        <p:nvPr/>
+      </p:nvGrpSpPr>
+      <p:grpSpPr>
+        <a:xfrm>
+          <a:off x="0" y="0"/>
+          <a:ext cx="0" cy="0"/>
+          <a:chOff x="0" y="0"/>
+          <a:chExt cx="0" cy="0"/>
+        </a:xfrm>
+      </p:grpSpPr>
+      <p:sp>
+        <p:nvSpPr>
+          <p:cNvPr id="2" name="Naslov 1"/>
+          <p:cNvSpPr>
+            <a:spLocks noGrp="1"/>
+          </p:cNvSpPr>
+          <p:nvPr>
+            <p:ph type="title"/>
+          </p:nvPr>
+        </p:nvSpPr>
+        <p:spPr/>
+        <p:txBody>
+          <a:bodyPr/>
+          <a:lstStyle/>
+          <a:p>
+            <a:endParaRPr lang="hr-HR"/>
+          </a:p>
+        </p:txBody>
+      </p:sp>
+      <p:sp>
+        <p:nvSpPr>
+          <p:cNvPr id="3" name="Rezervirano mjesto sadržaja 2"/>
+          <p:cNvSpPr>
+            <a:spLocks noGrp="1"/>
+          </p:cNvSpPr>
+          <p:nvPr>
+            <p:ph idx="1"/>
+          </p:nvPr>
+        </p:nvSpPr>
+        <p:spPr/>
+        <p:txBody>
+          <a:bodyPr/>
+          <a:lstStyle/>
+          <a:p>
+            <a:endParaRPr lang="hr-HR"/>
+          </a:p>
+        </p:txBody>
+      </p:sp>
+      <p:pic>
+        <p:nvPicPr>
+          <p:cNvPr id="4" name="Rezervirano mjesto sadržaja 3"/>
+          <p:cNvPicPr>
+            <a:picLocks noChangeAspect="1"/>
+          </p:cNvPicPr>
+          <p:nvPr/>
+        </p:nvPicPr>
+        <p:blipFill>
+          <a:blip r:embed="rId2" cstate="print">
+            <a:extLst>
+              <a:ext uri="{28A0092B-C50C-407E-A947-70E740481C1C}">
+                <a14:useLocalDpi xmlns:a14="http://schemas.microsoft.com/office/drawing/2010/main" val="0"/>
+              </a:ext>
+            </a:extLst>
+          </a:blip>
+          <a:stretch>
+            <a:fillRect/>
+          </a:stretch>
+        </p:blipFill>
+        <p:spPr>
+          <a:xfrm>
+            <a:off x="2920467" y="7257"/>
+            <a:ext cx="5556069" cy="6850743"/>
+          </a:xfrm>
+          <a:prstGeom prst="rect">
+            <a:avLst/>
+          </a:prstGeom>
+        </p:spPr>
+      </p:pic>
+    </p:spTree>
+    <p:extLst>
+      <p:ext uri="{BB962C8B-B14F-4D97-AF65-F5344CB8AC3E}">
+        <p14:creationId xmlns:p14="http://schemas.microsoft.com/office/powerpoint/2010/main" val="728423183"/>
+      </p:ext>
+    </p:extLst>
+  </p:cSld>
+  <p:clrMapOvr>
+    <a:masterClrMapping/>
+  </p:clrMapOvr>
+</p:sld>
+</file>
+
+<file path=ppt/slides/slide18.xml><?xml version="1.0" encoding="utf-8"?>
+<p:sld xmlns:a="http://schemas.openxmlformats.org/drawingml/2006/main" xmlns:r="http://schemas.openxmlformats.org/officeDocument/2006/relationships" xmlns:p="http://schemas.openxmlformats.org/presentationml/2006/main">
+  <p:cSld>
+    <p:spTree>
+      <p:nvGrpSpPr>
+        <p:cNvPr id="1" name=""/>
+        <p:cNvGrpSpPr/>
+        <p:nvPr/>
+      </p:nvGrpSpPr>
+      <p:grpSpPr>
+        <a:xfrm>
+          <a:off x="0" y="0"/>
+          <a:ext cx="0" cy="0"/>
+          <a:chOff x="0" y="0"/>
+          <a:chExt cx="0" cy="0"/>
+        </a:xfrm>
+      </p:grpSpPr>
+      <p:sp>
+        <p:nvSpPr>
+          <p:cNvPr id="2" name="Naslov 1"/>
+          <p:cNvSpPr>
+            <a:spLocks noGrp="1"/>
+          </p:cNvSpPr>
+          <p:nvPr>
+            <p:ph type="title"/>
+          </p:nvPr>
+        </p:nvSpPr>
+        <p:spPr/>
+        <p:txBody>
+          <a:bodyPr/>
+          <a:lstStyle/>
+          <a:p>
+            <a:endParaRPr lang="hr-HR"/>
+          </a:p>
+        </p:txBody>
+      </p:sp>
+      <p:sp>
+        <p:nvSpPr>
+          <p:cNvPr id="3" name="Rezervirano mjesto sadržaja 2"/>
+          <p:cNvSpPr>
+            <a:spLocks noGrp="1"/>
+          </p:cNvSpPr>
+          <p:nvPr>
+            <p:ph idx="1"/>
+          </p:nvPr>
+        </p:nvSpPr>
+        <p:spPr/>
+        <p:txBody>
+          <a:bodyPr/>
+          <a:lstStyle/>
+          <a:p>
+            <a:endParaRPr lang="hr-HR"/>
+          </a:p>
+        </p:txBody>
+      </p:sp>
+      <p:pic>
+        <p:nvPicPr>
+          <p:cNvPr id="4" name="Slika 3"/>
+          <p:cNvPicPr>
+            <a:picLocks noChangeAspect="1"/>
+          </p:cNvPicPr>
+          <p:nvPr/>
+        </p:nvPicPr>
+        <p:blipFill>
+          <a:blip r:embed="rId2">
+            <a:extLst>
+              <a:ext uri="{28A0092B-C50C-407E-A947-70E740481C1C}">
+                <a14:useLocalDpi xmlns:a14="http://schemas.microsoft.com/office/drawing/2010/main" val="0"/>
+              </a:ext>
+            </a:extLst>
+          </a:blip>
+          <a:stretch>
+            <a:fillRect/>
+          </a:stretch>
+        </p:blipFill>
+        <p:spPr>
+          <a:xfrm>
+            <a:off x="2734490" y="0"/>
+            <a:ext cx="5677989" cy="6858000"/>
+          </a:xfrm>
+          <a:prstGeom prst="rect">
+            <a:avLst/>
+          </a:prstGeom>
+        </p:spPr>
+      </p:pic>
+    </p:spTree>
+    <p:extLst>
+      <p:ext uri="{BB962C8B-B14F-4D97-AF65-F5344CB8AC3E}">
+        <p14:creationId xmlns:p14="http://schemas.microsoft.com/office/powerpoint/2010/main" val="2893103382"/>
+      </p:ext>
+    </p:extLst>
+  </p:cSld>
+  <p:clrMapOvr>
+    <a:masterClrMapping/>
+  </p:clrMapOvr>
+</p:sld>
+</file>
+
+<file path=ppt/slides/slide19.xml><?xml version="1.0" encoding="utf-8"?>
+<p:sld xmlns:a="http://schemas.openxmlformats.org/drawingml/2006/main" xmlns:r="http://schemas.openxmlformats.org/officeDocument/2006/relationships" xmlns:p="http://schemas.openxmlformats.org/presentationml/2006/main">
+  <p:cSld>
+    <p:spTree>
+      <p:nvGrpSpPr>
+        <p:cNvPr id="1" name=""/>
+        <p:cNvGrpSpPr/>
+        <p:nvPr/>
+      </p:nvGrpSpPr>
+      <p:grpSpPr>
+        <a:xfrm>
+          <a:off x="0" y="0"/>
+          <a:ext cx="0" cy="0"/>
+          <a:chOff x="0" y="0"/>
+          <a:chExt cx="0" cy="0"/>
+        </a:xfrm>
+      </p:grpSpPr>
+      <p:sp>
+        <p:nvSpPr>
+          <p:cNvPr id="2" name="Naslov 1"/>
+          <p:cNvSpPr>
+            <a:spLocks noGrp="1"/>
+          </p:cNvSpPr>
+          <p:nvPr>
+            <p:ph type="title"/>
+          </p:nvPr>
+        </p:nvSpPr>
+        <p:spPr/>
+        <p:txBody>
+          <a:bodyPr/>
+          <a:lstStyle/>
+          <a:p>
+            <a:endParaRPr lang="hr-HR"/>
+          </a:p>
+        </p:txBody>
+      </p:sp>
+      <p:pic>
+        <p:nvPicPr>
+          <p:cNvPr id="4" name="Rezervirano mjesto sadržaja 3"/>
+          <p:cNvPicPr>
+            <a:picLocks noGrp="1" noChangeAspect="1"/>
+          </p:cNvPicPr>
+          <p:nvPr>
+            <p:ph idx="1"/>
+          </p:nvPr>
+        </p:nvPicPr>
+        <p:blipFill>
+          <a:blip r:embed="rId2">
+            <a:extLst>
+              <a:ext uri="{28A0092B-C50C-407E-A947-70E740481C1C}">
+                <a14:useLocalDpi xmlns:a14="http://schemas.microsoft.com/office/drawing/2010/main" val="0"/>
+              </a:ext>
+            </a:extLst>
+          </a:blip>
+          <a:stretch>
+            <a:fillRect/>
+          </a:stretch>
+        </p:blipFill>
+        <p:spPr>
+          <a:xfrm>
+            <a:off x="3239589" y="0"/>
+            <a:ext cx="5468982" cy="6858000"/>
+          </a:xfrm>
+          <a:prstGeom prst="rect">
+            <a:avLst/>
+          </a:prstGeom>
+        </p:spPr>
+      </p:pic>
+    </p:spTree>
+    <p:extLst>
+      <p:ext uri="{BB962C8B-B14F-4D97-AF65-F5344CB8AC3E}">
+        <p14:creationId xmlns:p14="http://schemas.microsoft.com/office/powerpoint/2010/main" val="1429182652"/>
+      </p:ext>
+    </p:extLst>
+  </p:cSld>
+  <p:clrMapOvr>
+    <a:masterClrMapping/>
+  </p:clrMapOvr>
+</p:sld>
+</file>
+
 <file path=ppt/slides/slide2.xml><?xml version="1.0" encoding="utf-8"?>
 <p:sld xmlns:a="http://schemas.openxmlformats.org/drawingml/2006/main" xmlns:r="http://schemas.openxmlformats.org/officeDocument/2006/relationships" xmlns:p="http://schemas.openxmlformats.org/presentationml/2006/main">
   <p:cSld>
@@ -6665,7 +7212,15 @@
           <a:p>
             <a:r>
               <a:rPr lang="hr-HR" dirty="0" smtClean="0"/>
-              <a:t>Ideja projekta je napraviti suncobran koji umjesto gornjeg platna, koje pravi sjenu, ima solarnu ploču</a:t>
+              <a:t>Ideja projekta je napraviti suncobran koji umjesto gornjeg platna, koje </a:t>
+            </a:r>
+            <a:r>
+              <a:rPr lang="hr-HR" smtClean="0"/>
+              <a:t>pravi sjenu </a:t>
+            </a:r>
+            <a:r>
+              <a:rPr lang="hr-HR" dirty="0" smtClean="0"/>
+              <a:t>ima solarnu ploču</a:t>
             </a:r>
           </a:p>
           <a:p>
@@ -6707,15 +7262,7 @@
             </a:r>
             <a:r>
               <a:rPr lang="hr-HR" dirty="0" smtClean="0"/>
-              <a:t> </a:t>
-            </a:r>
-            <a:r>
-              <a:rPr lang="hr-HR" dirty="0" smtClean="0"/>
-              <a:t>motora</a:t>
-            </a:r>
-            <a:r>
-              <a:rPr lang="hr-HR" dirty="0" smtClean="0"/>
-              <a:t>, punjač za elektroničke uređaje(5v) i zvučnik</a:t>
+              <a:t> motora, punjač za elektroničke uređaje(5v) i zvučnik</a:t>
             </a:r>
           </a:p>
           <a:p>
